--- a/figs/Table1_Fig1.pptx
+++ b/figs/Table1_Fig1.pptx
@@ -33353,8 +33353,8 @@
         </p:nvSpPr>
         <p:spPr>
           <a:xfrm rot="16200000">
-            <a:off x="1058629" y="1289141"/>
-            <a:ext cx="6162147" cy="4399408"/>
+            <a:off x="1148199" y="1422418"/>
+            <a:ext cx="5991849" cy="4303149"/>
           </a:xfrm>
           <a:prstGeom prst="triangle">
             <a:avLst/>
@@ -33424,13 +33424,13 @@
           <p:nvPr>
             <p:extLst>
               <p:ext uri="{D42A27DB-BD31-4B8C-83A1-F6EECF244321}">
-                <p14:modId xmlns:p14="http://schemas.microsoft.com/office/powerpoint/2010/main" val="1114639516"/>
+                <p14:modId xmlns:p14="http://schemas.microsoft.com/office/powerpoint/2010/main" val="2880198716"/>
               </p:ext>
             </p:extLst>
           </p:nvPr>
         </p:nvGraphicFramePr>
         <p:xfrm>
-          <a:off x="983605" y="2082955"/>
+          <a:off x="1046671" y="2168102"/>
           <a:ext cx="2505911" cy="2811780"/>
         </p:xfrm>
         <a:graphic>

--- a/figs/Table1_Fig1.pptx
+++ b/figs/Table1_Fig1.pptx
@@ -8670,33 +8670,33 @@
                     <a:p>
                       <a:pPr rtl="0" fontAlgn="ctr"/>
                       <a:r>
-                        <a:rPr lang="en-US" sz="1400" b="0">
+                        <a:rPr lang="en-US" sz="1400" b="0" dirty="0">
                           <a:effectLst/>
                           <a:latin typeface="Calibri" panose="020F0502020204030204" pitchFamily="34" charset="0"/>
                         </a:rPr>
                         <a:t>Latency to approach simulated intruder or predator</a:t>
                       </a:r>
                       <a:br>
-                        <a:rPr lang="en-US" sz="1400" b="0">
+                        <a:rPr lang="en-US" sz="1400" b="0" dirty="0">
                           <a:effectLst/>
                           <a:latin typeface="Calibri" panose="020F0502020204030204" pitchFamily="34" charset="0"/>
                         </a:rPr>
                       </a:br>
                       <a:r>
-                        <a:rPr lang="en-US" sz="1400" b="0">
+                        <a:rPr lang="en-US" sz="1400" b="0" dirty="0">
                           <a:effectLst/>
                           <a:latin typeface="Calibri" panose="020F0502020204030204" pitchFamily="34" charset="0"/>
                         </a:rPr>
                         <a:t>Latency to forage</a:t>
                       </a:r>
                       <a:br>
-                        <a:rPr lang="en-US" sz="1400" b="0">
+                        <a:rPr lang="en-US" sz="1400" b="0" dirty="0">
                           <a:effectLst/>
                           <a:latin typeface="Calibri" panose="020F0502020204030204" pitchFamily="34" charset="0"/>
                         </a:rPr>
                       </a:br>
                       <a:r>
-                        <a:rPr lang="en-US" sz="1400" b="0">
+                        <a:rPr lang="en-US" sz="1400" b="0" dirty="0">
                           <a:effectLst/>
                           <a:latin typeface="Calibri" panose="020F0502020204030204" pitchFamily="34" charset="0"/>
                         </a:rPr>

--- a/figs/Table1_Fig1.pptx
+++ b/figs/Table1_Fig1.pptx
@@ -5149,7 +5149,7 @@
           <a:p>
             <a:fld id="{FB4EE7D7-6136-1147-9BB7-D2C691C182E3}" type="datetimeFigureOut">
               <a:rPr lang="en-US" smtClean="0"/>
-              <a:t>5/13/24</a:t>
+              <a:t>7/8/24</a:t>
             </a:fld>
             <a:endParaRPr lang="en-US"/>
           </a:p>
@@ -5347,7 +5347,7 @@
           <a:p>
             <a:fld id="{FB4EE7D7-6136-1147-9BB7-D2C691C182E3}" type="datetimeFigureOut">
               <a:rPr lang="en-US" smtClean="0"/>
-              <a:t>5/13/24</a:t>
+              <a:t>7/8/24</a:t>
             </a:fld>
             <a:endParaRPr lang="en-US"/>
           </a:p>
@@ -5555,7 +5555,7 @@
           <a:p>
             <a:fld id="{FB4EE7D7-6136-1147-9BB7-D2C691C182E3}" type="datetimeFigureOut">
               <a:rPr lang="en-US" smtClean="0"/>
-              <a:t>5/13/24</a:t>
+              <a:t>7/8/24</a:t>
             </a:fld>
             <a:endParaRPr lang="en-US"/>
           </a:p>
@@ -5753,7 +5753,7 @@
           <a:p>
             <a:fld id="{FB4EE7D7-6136-1147-9BB7-D2C691C182E3}" type="datetimeFigureOut">
               <a:rPr lang="en-US" smtClean="0"/>
-              <a:t>5/13/24</a:t>
+              <a:t>7/8/24</a:t>
             </a:fld>
             <a:endParaRPr lang="en-US"/>
           </a:p>
@@ -6028,7 +6028,7 @@
           <a:p>
             <a:fld id="{FB4EE7D7-6136-1147-9BB7-D2C691C182E3}" type="datetimeFigureOut">
               <a:rPr lang="en-US" smtClean="0"/>
-              <a:t>5/13/24</a:t>
+              <a:t>7/8/24</a:t>
             </a:fld>
             <a:endParaRPr lang="en-US"/>
           </a:p>
@@ -6293,7 +6293,7 @@
           <a:p>
             <a:fld id="{FB4EE7D7-6136-1147-9BB7-D2C691C182E3}" type="datetimeFigureOut">
               <a:rPr lang="en-US" smtClean="0"/>
-              <a:t>5/13/24</a:t>
+              <a:t>7/8/24</a:t>
             </a:fld>
             <a:endParaRPr lang="en-US"/>
           </a:p>
@@ -6705,7 +6705,7 @@
           <a:p>
             <a:fld id="{FB4EE7D7-6136-1147-9BB7-D2C691C182E3}" type="datetimeFigureOut">
               <a:rPr lang="en-US" smtClean="0"/>
-              <a:t>5/13/24</a:t>
+              <a:t>7/8/24</a:t>
             </a:fld>
             <a:endParaRPr lang="en-US"/>
           </a:p>
@@ -6846,7 +6846,7 @@
           <a:p>
             <a:fld id="{FB4EE7D7-6136-1147-9BB7-D2C691C182E3}" type="datetimeFigureOut">
               <a:rPr lang="en-US" smtClean="0"/>
-              <a:t>5/13/24</a:t>
+              <a:t>7/8/24</a:t>
             </a:fld>
             <a:endParaRPr lang="en-US"/>
           </a:p>
@@ -6959,7 +6959,7 @@
           <a:p>
             <a:fld id="{FB4EE7D7-6136-1147-9BB7-D2C691C182E3}" type="datetimeFigureOut">
               <a:rPr lang="en-US" smtClean="0"/>
-              <a:t>5/13/24</a:t>
+              <a:t>7/8/24</a:t>
             </a:fld>
             <a:endParaRPr lang="en-US"/>
           </a:p>
@@ -7270,7 +7270,7 @@
           <a:p>
             <a:fld id="{FB4EE7D7-6136-1147-9BB7-D2C691C182E3}" type="datetimeFigureOut">
               <a:rPr lang="en-US" smtClean="0"/>
-              <a:t>5/13/24</a:t>
+              <a:t>7/8/24</a:t>
             </a:fld>
             <a:endParaRPr lang="en-US"/>
           </a:p>
@@ -7558,7 +7558,7 @@
           <a:p>
             <a:fld id="{FB4EE7D7-6136-1147-9BB7-D2C691C182E3}" type="datetimeFigureOut">
               <a:rPr lang="en-US" smtClean="0"/>
-              <a:t>5/13/24</a:t>
+              <a:t>7/8/24</a:t>
             </a:fld>
             <a:endParaRPr lang="en-US"/>
           </a:p>
@@ -7799,7 +7799,7 @@
           <a:p>
             <a:fld id="{FB4EE7D7-6136-1147-9BB7-D2C691C182E3}" type="datetimeFigureOut">
               <a:rPr lang="en-US" smtClean="0"/>
-              <a:t>5/13/24</a:t>
+              <a:t>7/8/24</a:t>
             </a:fld>
             <a:endParaRPr lang="en-US"/>
           </a:p>
@@ -8231,7 +8231,7 @@
           <p:nvPr>
             <p:extLst>
               <p:ext uri="{D42A27DB-BD31-4B8C-83A1-F6EECF244321}">
-                <p14:modId xmlns:p14="http://schemas.microsoft.com/office/powerpoint/2010/main" val="470866067"/>
+                <p14:modId xmlns:p14="http://schemas.microsoft.com/office/powerpoint/2010/main" val="4250684179"/>
               </p:ext>
             </p:extLst>
           </p:nvPr>
@@ -8433,7 +8433,7 @@
                     <a:p>
                       <a:pPr rtl="0" fontAlgn="b"/>
                       <a:r>
-                        <a:rPr lang="en-US" sz="1400" b="0">
+                        <a:rPr lang="en-US" sz="1400" b="0" dirty="0">
                           <a:effectLst/>
                           <a:latin typeface="Calibri" panose="020F0502020204030204" pitchFamily="34" charset="0"/>
                         </a:rPr>
@@ -9044,24 +9044,24 @@
                     <a:p>
                       <a:pPr rtl="0" fontAlgn="ctr"/>
                       <a:r>
-                        <a:rPr lang="en-US" sz="1400" b="0">
+                        <a:rPr lang="en-US" sz="1400" b="0" dirty="0">
                           <a:effectLst/>
                           <a:latin typeface="Calibri" panose="020F0502020204030204" pitchFamily="34" charset="0"/>
                         </a:rPr>
                         <a:t>Individual ID</a:t>
                       </a:r>
                       <a:br>
-                        <a:rPr lang="en-US" sz="1400" b="0">
+                        <a:rPr lang="en-US" sz="1400" b="0" dirty="0">
                           <a:effectLst/>
                           <a:latin typeface="Calibri" panose="020F0502020204030204" pitchFamily="34" charset="0"/>
                         </a:rPr>
                       </a:br>
                       <a:r>
-                        <a:rPr lang="en-US" sz="1400" b="0">
+                        <a:rPr lang="en-US" sz="1400" b="0" dirty="0">
                           <a:effectLst/>
                           <a:latin typeface="Calibri" panose="020F0502020204030204" pitchFamily="34" charset="0"/>
                         </a:rPr>
-                        <a:t>Individual ID, Treatement Group ID</a:t>
+                        <a:t>Individual ID, Treatment Group ID</a:t>
                       </a:r>
                     </a:p>
                   </a:txBody>

--- a/figs/Table1_Fig1.pptx
+++ b/figs/Table1_Fig1.pptx
@@ -5149,7 +5149,7 @@
           <a:p>
             <a:fld id="{FB4EE7D7-6136-1147-9BB7-D2C691C182E3}" type="datetimeFigureOut">
               <a:rPr lang="en-US" smtClean="0"/>
-              <a:t>7/8/24</a:t>
+              <a:t>7/20/24</a:t>
             </a:fld>
             <a:endParaRPr lang="en-US"/>
           </a:p>
@@ -5347,7 +5347,7 @@
           <a:p>
             <a:fld id="{FB4EE7D7-6136-1147-9BB7-D2C691C182E3}" type="datetimeFigureOut">
               <a:rPr lang="en-US" smtClean="0"/>
-              <a:t>7/8/24</a:t>
+              <a:t>7/20/24</a:t>
             </a:fld>
             <a:endParaRPr lang="en-US"/>
           </a:p>
@@ -5555,7 +5555,7 @@
           <a:p>
             <a:fld id="{FB4EE7D7-6136-1147-9BB7-D2C691C182E3}" type="datetimeFigureOut">
               <a:rPr lang="en-US" smtClean="0"/>
-              <a:t>7/8/24</a:t>
+              <a:t>7/20/24</a:t>
             </a:fld>
             <a:endParaRPr lang="en-US"/>
           </a:p>
@@ -5753,7 +5753,7 @@
           <a:p>
             <a:fld id="{FB4EE7D7-6136-1147-9BB7-D2C691C182E3}" type="datetimeFigureOut">
               <a:rPr lang="en-US" smtClean="0"/>
-              <a:t>7/8/24</a:t>
+              <a:t>7/20/24</a:t>
             </a:fld>
             <a:endParaRPr lang="en-US"/>
           </a:p>
@@ -6028,7 +6028,7 @@
           <a:p>
             <a:fld id="{FB4EE7D7-6136-1147-9BB7-D2C691C182E3}" type="datetimeFigureOut">
               <a:rPr lang="en-US" smtClean="0"/>
-              <a:t>7/8/24</a:t>
+              <a:t>7/20/24</a:t>
             </a:fld>
             <a:endParaRPr lang="en-US"/>
           </a:p>
@@ -6293,7 +6293,7 @@
           <a:p>
             <a:fld id="{FB4EE7D7-6136-1147-9BB7-D2C691C182E3}" type="datetimeFigureOut">
               <a:rPr lang="en-US" smtClean="0"/>
-              <a:t>7/8/24</a:t>
+              <a:t>7/20/24</a:t>
             </a:fld>
             <a:endParaRPr lang="en-US"/>
           </a:p>
@@ -6705,7 +6705,7 @@
           <a:p>
             <a:fld id="{FB4EE7D7-6136-1147-9BB7-D2C691C182E3}" type="datetimeFigureOut">
               <a:rPr lang="en-US" smtClean="0"/>
-              <a:t>7/8/24</a:t>
+              <a:t>7/20/24</a:t>
             </a:fld>
             <a:endParaRPr lang="en-US"/>
           </a:p>
@@ -6846,7 +6846,7 @@
           <a:p>
             <a:fld id="{FB4EE7D7-6136-1147-9BB7-D2C691C182E3}" type="datetimeFigureOut">
               <a:rPr lang="en-US" smtClean="0"/>
-              <a:t>7/8/24</a:t>
+              <a:t>7/20/24</a:t>
             </a:fld>
             <a:endParaRPr lang="en-US"/>
           </a:p>
@@ -6959,7 +6959,7 @@
           <a:p>
             <a:fld id="{FB4EE7D7-6136-1147-9BB7-D2C691C182E3}" type="datetimeFigureOut">
               <a:rPr lang="en-US" smtClean="0"/>
-              <a:t>7/8/24</a:t>
+              <a:t>7/20/24</a:t>
             </a:fld>
             <a:endParaRPr lang="en-US"/>
           </a:p>
@@ -7270,7 +7270,7 @@
           <a:p>
             <a:fld id="{FB4EE7D7-6136-1147-9BB7-D2C691C182E3}" type="datetimeFigureOut">
               <a:rPr lang="en-US" smtClean="0"/>
-              <a:t>7/8/24</a:t>
+              <a:t>7/20/24</a:t>
             </a:fld>
             <a:endParaRPr lang="en-US"/>
           </a:p>
@@ -7558,7 +7558,7 @@
           <a:p>
             <a:fld id="{FB4EE7D7-6136-1147-9BB7-D2C691C182E3}" type="datetimeFigureOut">
               <a:rPr lang="en-US" smtClean="0"/>
-              <a:t>7/8/24</a:t>
+              <a:t>7/20/24</a:t>
             </a:fld>
             <a:endParaRPr lang="en-US"/>
           </a:p>
@@ -7799,7 +7799,7 @@
           <a:p>
             <a:fld id="{FB4EE7D7-6136-1147-9BB7-D2C691C182E3}" type="datetimeFigureOut">
               <a:rPr lang="en-US" smtClean="0"/>
-              <a:t>7/8/24</a:t>
+              <a:t>7/20/24</a:t>
             </a:fld>
             <a:endParaRPr lang="en-US"/>
           </a:p>
@@ -9874,16 +9874,6 @@
                     <a:p>
                       <a:pPr rtl="0" fontAlgn="ctr"/>
                       <a:r>
-                        <a:rPr lang="en-US" sz="1400" b="0" dirty="0" err="1">
-                          <a:solidFill>
-                            <a:srgbClr val="1F1F1F"/>
-                          </a:solidFill>
-                          <a:effectLst/>
-                          <a:latin typeface="Calibri" panose="020F0502020204030204" pitchFamily="34" charset="0"/>
-                        </a:rPr>
-                        <a:t>Waser</a:t>
-                      </a:r>
-                      <a:r>
                         <a:rPr lang="en-US" sz="1400" b="0" dirty="0">
                           <a:solidFill>
                             <a:srgbClr val="1F1F1F"/>
@@ -9891,7 +9881,7 @@
                           <a:effectLst/>
                           <a:latin typeface="Calibri" panose="020F0502020204030204" pitchFamily="34" charset="0"/>
                         </a:rPr>
-                        <a:t> et al. 2000</a:t>
+                        <a:t>Waser et al. 2000</a:t>
                       </a:r>
                       <a:br>
                         <a:rPr lang="en-US" sz="1400" b="0" dirty="0">
@@ -9910,27 +9900,7 @@
                           <a:effectLst/>
                           <a:latin typeface="Calibri" panose="020F0502020204030204" pitchFamily="34" charset="0"/>
                         </a:rPr>
-                        <a:t>Villagomez et al. 2021; </a:t>
-                      </a:r>
-                      <a:r>
-                        <a:rPr lang="en-US" sz="1400" b="0" dirty="0" err="1">
-                          <a:solidFill>
-                            <a:srgbClr val="1F1F1F"/>
-                          </a:solidFill>
-                          <a:effectLst/>
-                          <a:latin typeface="Calibri" panose="020F0502020204030204" pitchFamily="34" charset="0"/>
-                        </a:rPr>
-                        <a:t>Manincor</a:t>
-                      </a:r>
-                      <a:r>
-                        <a:rPr lang="en-US" sz="1400" b="0" dirty="0">
-                          <a:solidFill>
-                            <a:srgbClr val="1F1F1F"/>
-                          </a:solidFill>
-                          <a:effectLst/>
-                          <a:latin typeface="Calibri" panose="020F0502020204030204" pitchFamily="34" charset="0"/>
-                        </a:rPr>
-                        <a:t> et al. 2023</a:t>
+                        <a:t>Villagomez et al. 2021; Manincor et al. 2023</a:t>
                       </a:r>
                       <a:br>
                         <a:rPr lang="en-US" sz="1400" b="0" dirty="0">
@@ -9949,27 +9919,7 @@
                           <a:effectLst/>
                           <a:latin typeface="Calibri" panose="020F0502020204030204" pitchFamily="34" charset="0"/>
                         </a:rPr>
-                        <a:t>Villagomez et al. 2021; </a:t>
-                      </a:r>
-                      <a:r>
-                        <a:rPr lang="en-US" sz="1400" b="0" dirty="0" err="1">
-                          <a:solidFill>
-                            <a:srgbClr val="1F1F1F"/>
-                          </a:solidFill>
-                          <a:effectLst/>
-                          <a:latin typeface="Calibri" panose="020F0502020204030204" pitchFamily="34" charset="0"/>
-                        </a:rPr>
-                        <a:t>Manincor</a:t>
-                      </a:r>
-                      <a:r>
-                        <a:rPr lang="en-US" sz="1400" b="0" dirty="0">
-                          <a:solidFill>
-                            <a:srgbClr val="1F1F1F"/>
-                          </a:solidFill>
-                          <a:effectLst/>
-                          <a:latin typeface="Calibri" panose="020F0502020204030204" pitchFamily="34" charset="0"/>
-                        </a:rPr>
-                        <a:t> et al. 2023</a:t>
+                        <a:t>Villagomez et al. 2021; Manincor et al. 2023</a:t>
                       </a:r>
                     </a:p>
                   </a:txBody>
